--- a/ppt 16-9/0865.得人如雨.pptx
+++ b/ppt 16-9/0865.得人如雨.pptx
@@ -5,7 +5,7 @@
     <p:sldMasterId id="2147483648" r:id="rId1"/>
   </p:sldMasterIdLst>
   <p:sldIdLst>
-    <p:sldId id="2173" r:id="rId2"/>
+    <p:sldId id="2174" r:id="rId2"/>
   </p:sldIdLst>
   <p:sldSz cx="12192000" cy="6858000"/>
   <p:notesSz cx="6858000" cy="9144000"/>
@@ -129,7 +129,7 @@
           <p:cNvPr id="2" name="标题 1">
             <a:extLst>
               <a:ext uri="{FF2B5EF4-FFF2-40B4-BE49-F238E27FC236}">
-                <a16:creationId xmlns:a16="http://schemas.microsoft.com/office/drawing/2014/main" id="{018C02F6-3016-87CB-AAF1-FA3A1E7FF544}"/>
+                <a16:creationId xmlns:a16="http://schemas.microsoft.com/office/drawing/2014/main" id="{285E2AE9-A656-38A2-3DD4-30AF6F6C0B40}"/>
               </a:ext>
             </a:extLst>
           </p:cNvPr>
@@ -166,7 +166,7 @@
           <p:cNvPr id="3" name="副标题 2">
             <a:extLst>
               <a:ext uri="{FF2B5EF4-FFF2-40B4-BE49-F238E27FC236}">
-                <a16:creationId xmlns:a16="http://schemas.microsoft.com/office/drawing/2014/main" id="{34922049-3E0B-8948-93BD-A19FFB64FFC4}"/>
+                <a16:creationId xmlns:a16="http://schemas.microsoft.com/office/drawing/2014/main" id="{DD25CF8E-70D3-021C-83C5-0FAF6B42FDB1}"/>
               </a:ext>
             </a:extLst>
           </p:cNvPr>
@@ -236,7 +236,7 @@
           <p:cNvPr id="4" name="日期占位符 3">
             <a:extLst>
               <a:ext uri="{FF2B5EF4-FFF2-40B4-BE49-F238E27FC236}">
-                <a16:creationId xmlns:a16="http://schemas.microsoft.com/office/drawing/2014/main" id="{3F3068E6-E22E-A292-31DC-F06F67824507}"/>
+                <a16:creationId xmlns:a16="http://schemas.microsoft.com/office/drawing/2014/main" id="{528FAD79-5A08-2FA1-A94F-9757005A16A5}"/>
               </a:ext>
             </a:extLst>
           </p:cNvPr>
@@ -252,7 +252,7 @@
           <a:bodyPr/>
           <a:lstStyle/>
           <a:p>
-            <a:fld id="{C8FC257E-6989-4332-83F4-1E8E4839F423}" type="datetimeFigureOut">
+            <a:fld id="{5628A0AE-61E8-4B73-8E57-39F9C89E25E8}" type="datetimeFigureOut">
               <a:rPr lang="zh-CN" altLang="en-US" smtClean="0"/>
               <a:t>2024/3/10</a:t>
             </a:fld>
@@ -265,7 +265,7 @@
           <p:cNvPr id="5" name="页脚占位符 4">
             <a:extLst>
               <a:ext uri="{FF2B5EF4-FFF2-40B4-BE49-F238E27FC236}">
-                <a16:creationId xmlns:a16="http://schemas.microsoft.com/office/drawing/2014/main" id="{3752CAC9-2B7C-D0B9-5E3E-65492A11A3D0}"/>
+                <a16:creationId xmlns:a16="http://schemas.microsoft.com/office/drawing/2014/main" id="{72C5D1A0-57D6-A711-B05D-068CD2640E42}"/>
               </a:ext>
             </a:extLst>
           </p:cNvPr>
@@ -290,7 +290,7 @@
           <p:cNvPr id="6" name="灯片编号占位符 5">
             <a:extLst>
               <a:ext uri="{FF2B5EF4-FFF2-40B4-BE49-F238E27FC236}">
-                <a16:creationId xmlns:a16="http://schemas.microsoft.com/office/drawing/2014/main" id="{9A06AE7C-6C99-97AA-8490-A5361CA90CF5}"/>
+                <a16:creationId xmlns:a16="http://schemas.microsoft.com/office/drawing/2014/main" id="{AD4D819F-8133-0E52-A3B0-AC422EBE66E8}"/>
               </a:ext>
             </a:extLst>
           </p:cNvPr>
@@ -306,7 +306,7 @@
           <a:bodyPr/>
           <a:lstStyle/>
           <a:p>
-            <a:fld id="{8B27E246-BAD5-45A0-9AC2-F1625DB610D2}" type="slidenum">
+            <a:fld id="{CC395179-ED37-49A8-957D-F566E9F2276E}" type="slidenum">
               <a:rPr lang="zh-CN" altLang="en-US" smtClean="0"/>
               <a:t>‹#›</a:t>
             </a:fld>
@@ -317,7 +317,7 @@
     </p:spTree>
     <p:extLst>
       <p:ext uri="{BB962C8B-B14F-4D97-AF65-F5344CB8AC3E}">
-        <p14:creationId xmlns:p14="http://schemas.microsoft.com/office/powerpoint/2010/main" val="2672957030"/>
+        <p14:creationId xmlns:p14="http://schemas.microsoft.com/office/powerpoint/2010/main" val="1600511996"/>
       </p:ext>
     </p:extLst>
   </p:cSld>
@@ -349,7 +349,7 @@
           <p:cNvPr id="2" name="标题 1">
             <a:extLst>
               <a:ext uri="{FF2B5EF4-FFF2-40B4-BE49-F238E27FC236}">
-                <a16:creationId xmlns:a16="http://schemas.microsoft.com/office/drawing/2014/main" id="{BA311E2A-5649-A375-A636-3EA5A3E30E2C}"/>
+                <a16:creationId xmlns:a16="http://schemas.microsoft.com/office/drawing/2014/main" id="{6C65C2E8-A849-86E2-24DD-E845FA1A8943}"/>
               </a:ext>
             </a:extLst>
           </p:cNvPr>
@@ -377,7 +377,7 @@
           <p:cNvPr id="3" name="竖排文字占位符 2">
             <a:extLst>
               <a:ext uri="{FF2B5EF4-FFF2-40B4-BE49-F238E27FC236}">
-                <a16:creationId xmlns:a16="http://schemas.microsoft.com/office/drawing/2014/main" id="{9820B914-5B1A-AA0A-1773-0AEA435B717E}"/>
+                <a16:creationId xmlns:a16="http://schemas.microsoft.com/office/drawing/2014/main" id="{86BD04DF-5B21-7142-A311-238F445278EC}"/>
               </a:ext>
             </a:extLst>
           </p:cNvPr>
@@ -434,7 +434,7 @@
           <p:cNvPr id="4" name="日期占位符 3">
             <a:extLst>
               <a:ext uri="{FF2B5EF4-FFF2-40B4-BE49-F238E27FC236}">
-                <a16:creationId xmlns:a16="http://schemas.microsoft.com/office/drawing/2014/main" id="{46E838F2-4181-2FC3-0D64-1138DC9A678F}"/>
+                <a16:creationId xmlns:a16="http://schemas.microsoft.com/office/drawing/2014/main" id="{6B9F5DE5-1146-76F1-CA27-33F87A29892E}"/>
               </a:ext>
             </a:extLst>
           </p:cNvPr>
@@ -450,7 +450,7 @@
           <a:bodyPr/>
           <a:lstStyle/>
           <a:p>
-            <a:fld id="{C8FC257E-6989-4332-83F4-1E8E4839F423}" type="datetimeFigureOut">
+            <a:fld id="{5628A0AE-61E8-4B73-8E57-39F9C89E25E8}" type="datetimeFigureOut">
               <a:rPr lang="zh-CN" altLang="en-US" smtClean="0"/>
               <a:t>2024/3/10</a:t>
             </a:fld>
@@ -463,7 +463,7 @@
           <p:cNvPr id="5" name="页脚占位符 4">
             <a:extLst>
               <a:ext uri="{FF2B5EF4-FFF2-40B4-BE49-F238E27FC236}">
-                <a16:creationId xmlns:a16="http://schemas.microsoft.com/office/drawing/2014/main" id="{768674C0-03BD-4339-CE28-4D6FA66E0161}"/>
+                <a16:creationId xmlns:a16="http://schemas.microsoft.com/office/drawing/2014/main" id="{43513B57-EC67-03B2-B639-3DCC733DA734}"/>
               </a:ext>
             </a:extLst>
           </p:cNvPr>
@@ -488,7 +488,7 @@
           <p:cNvPr id="6" name="灯片编号占位符 5">
             <a:extLst>
               <a:ext uri="{FF2B5EF4-FFF2-40B4-BE49-F238E27FC236}">
-                <a16:creationId xmlns:a16="http://schemas.microsoft.com/office/drawing/2014/main" id="{41B9B0A8-571C-85F6-7C8A-9BCFC74431A1}"/>
+                <a16:creationId xmlns:a16="http://schemas.microsoft.com/office/drawing/2014/main" id="{0E1B7FD3-3DA0-9EBB-BC5D-1326ACC78CB7}"/>
               </a:ext>
             </a:extLst>
           </p:cNvPr>
@@ -504,7 +504,7 @@
           <a:bodyPr/>
           <a:lstStyle/>
           <a:p>
-            <a:fld id="{8B27E246-BAD5-45A0-9AC2-F1625DB610D2}" type="slidenum">
+            <a:fld id="{CC395179-ED37-49A8-957D-F566E9F2276E}" type="slidenum">
               <a:rPr lang="zh-CN" altLang="en-US" smtClean="0"/>
               <a:t>‹#›</a:t>
             </a:fld>
@@ -515,7 +515,7 @@
     </p:spTree>
     <p:extLst>
       <p:ext uri="{BB962C8B-B14F-4D97-AF65-F5344CB8AC3E}">
-        <p14:creationId xmlns:p14="http://schemas.microsoft.com/office/powerpoint/2010/main" val="2131053218"/>
+        <p14:creationId xmlns:p14="http://schemas.microsoft.com/office/powerpoint/2010/main" val="1167064672"/>
       </p:ext>
     </p:extLst>
   </p:cSld>
@@ -547,7 +547,7 @@
           <p:cNvPr id="2" name="竖排标题 1">
             <a:extLst>
               <a:ext uri="{FF2B5EF4-FFF2-40B4-BE49-F238E27FC236}">
-                <a16:creationId xmlns:a16="http://schemas.microsoft.com/office/drawing/2014/main" id="{CA724C00-8862-E4BB-A6A5-8B4B299E0558}"/>
+                <a16:creationId xmlns:a16="http://schemas.microsoft.com/office/drawing/2014/main" id="{70F58CAF-BEA2-6283-6396-2C885A53FAA4}"/>
               </a:ext>
             </a:extLst>
           </p:cNvPr>
@@ -580,7 +580,7 @@
           <p:cNvPr id="3" name="竖排文字占位符 2">
             <a:extLst>
               <a:ext uri="{FF2B5EF4-FFF2-40B4-BE49-F238E27FC236}">
-                <a16:creationId xmlns:a16="http://schemas.microsoft.com/office/drawing/2014/main" id="{1F756BDC-2554-586F-5480-00C2EA5455C6}"/>
+                <a16:creationId xmlns:a16="http://schemas.microsoft.com/office/drawing/2014/main" id="{7B0B867A-0E9D-0F98-D9A6-7451539FF5E0}"/>
               </a:ext>
             </a:extLst>
           </p:cNvPr>
@@ -642,7 +642,7 @@
           <p:cNvPr id="4" name="日期占位符 3">
             <a:extLst>
               <a:ext uri="{FF2B5EF4-FFF2-40B4-BE49-F238E27FC236}">
-                <a16:creationId xmlns:a16="http://schemas.microsoft.com/office/drawing/2014/main" id="{B99972B3-6BAD-D476-400C-D4E93C896546}"/>
+                <a16:creationId xmlns:a16="http://schemas.microsoft.com/office/drawing/2014/main" id="{8500FE2F-CA24-7D20-F5BA-2563CD06A986}"/>
               </a:ext>
             </a:extLst>
           </p:cNvPr>
@@ -658,7 +658,7 @@
           <a:bodyPr/>
           <a:lstStyle/>
           <a:p>
-            <a:fld id="{C8FC257E-6989-4332-83F4-1E8E4839F423}" type="datetimeFigureOut">
+            <a:fld id="{5628A0AE-61E8-4B73-8E57-39F9C89E25E8}" type="datetimeFigureOut">
               <a:rPr lang="zh-CN" altLang="en-US" smtClean="0"/>
               <a:t>2024/3/10</a:t>
             </a:fld>
@@ -671,7 +671,7 @@
           <p:cNvPr id="5" name="页脚占位符 4">
             <a:extLst>
               <a:ext uri="{FF2B5EF4-FFF2-40B4-BE49-F238E27FC236}">
-                <a16:creationId xmlns:a16="http://schemas.microsoft.com/office/drawing/2014/main" id="{1C5AA792-7D5D-5645-34F7-F72CFD0FDA21}"/>
+                <a16:creationId xmlns:a16="http://schemas.microsoft.com/office/drawing/2014/main" id="{8631418B-0C7E-C1C0-558E-B77D2A3F4C68}"/>
               </a:ext>
             </a:extLst>
           </p:cNvPr>
@@ -696,7 +696,7 @@
           <p:cNvPr id="6" name="灯片编号占位符 5">
             <a:extLst>
               <a:ext uri="{FF2B5EF4-FFF2-40B4-BE49-F238E27FC236}">
-                <a16:creationId xmlns:a16="http://schemas.microsoft.com/office/drawing/2014/main" id="{19930D61-1BAB-8B73-3F00-58CAF503A9BB}"/>
+                <a16:creationId xmlns:a16="http://schemas.microsoft.com/office/drawing/2014/main" id="{FCF011F8-A29B-51C9-E70C-C81909ECDA8C}"/>
               </a:ext>
             </a:extLst>
           </p:cNvPr>
@@ -712,7 +712,7 @@
           <a:bodyPr/>
           <a:lstStyle/>
           <a:p>
-            <a:fld id="{8B27E246-BAD5-45A0-9AC2-F1625DB610D2}" type="slidenum">
+            <a:fld id="{CC395179-ED37-49A8-957D-F566E9F2276E}" type="slidenum">
               <a:rPr lang="zh-CN" altLang="en-US" smtClean="0"/>
               <a:t>‹#›</a:t>
             </a:fld>
@@ -723,7 +723,7 @@
     </p:spTree>
     <p:extLst>
       <p:ext uri="{BB962C8B-B14F-4D97-AF65-F5344CB8AC3E}">
-        <p14:creationId xmlns:p14="http://schemas.microsoft.com/office/powerpoint/2010/main" val="3248936240"/>
+        <p14:creationId xmlns:p14="http://schemas.microsoft.com/office/powerpoint/2010/main" val="847123671"/>
       </p:ext>
     </p:extLst>
   </p:cSld>
@@ -755,7 +755,7 @@
           <p:cNvPr id="2" name="标题 1">
             <a:extLst>
               <a:ext uri="{FF2B5EF4-FFF2-40B4-BE49-F238E27FC236}">
-                <a16:creationId xmlns:a16="http://schemas.microsoft.com/office/drawing/2014/main" id="{D26F02D5-360E-1E30-B750-44931B3D4EF3}"/>
+                <a16:creationId xmlns:a16="http://schemas.microsoft.com/office/drawing/2014/main" id="{04E58067-79B2-79B4-AFA5-C20D5F860B13}"/>
               </a:ext>
             </a:extLst>
           </p:cNvPr>
@@ -783,7 +783,7 @@
           <p:cNvPr id="3" name="内容占位符 2">
             <a:extLst>
               <a:ext uri="{FF2B5EF4-FFF2-40B4-BE49-F238E27FC236}">
-                <a16:creationId xmlns:a16="http://schemas.microsoft.com/office/drawing/2014/main" id="{2193E148-2D64-EC55-3E65-6157DFA28E88}"/>
+                <a16:creationId xmlns:a16="http://schemas.microsoft.com/office/drawing/2014/main" id="{58ADAAD0-3956-E973-520E-693041ACF68F}"/>
               </a:ext>
             </a:extLst>
           </p:cNvPr>
@@ -840,7 +840,7 @@
           <p:cNvPr id="4" name="日期占位符 3">
             <a:extLst>
               <a:ext uri="{FF2B5EF4-FFF2-40B4-BE49-F238E27FC236}">
-                <a16:creationId xmlns:a16="http://schemas.microsoft.com/office/drawing/2014/main" id="{F84EDD0F-7BD4-A647-0B8A-3EA712388CD1}"/>
+                <a16:creationId xmlns:a16="http://schemas.microsoft.com/office/drawing/2014/main" id="{B37B1F77-A0DD-6C9E-D737-80D11268985C}"/>
               </a:ext>
             </a:extLst>
           </p:cNvPr>
@@ -856,7 +856,7 @@
           <a:bodyPr/>
           <a:lstStyle/>
           <a:p>
-            <a:fld id="{C8FC257E-6989-4332-83F4-1E8E4839F423}" type="datetimeFigureOut">
+            <a:fld id="{5628A0AE-61E8-4B73-8E57-39F9C89E25E8}" type="datetimeFigureOut">
               <a:rPr lang="zh-CN" altLang="en-US" smtClean="0"/>
               <a:t>2024/3/10</a:t>
             </a:fld>
@@ -869,7 +869,7 @@
           <p:cNvPr id="5" name="页脚占位符 4">
             <a:extLst>
               <a:ext uri="{FF2B5EF4-FFF2-40B4-BE49-F238E27FC236}">
-                <a16:creationId xmlns:a16="http://schemas.microsoft.com/office/drawing/2014/main" id="{6235C972-3013-07A3-85FD-C868F959F445}"/>
+                <a16:creationId xmlns:a16="http://schemas.microsoft.com/office/drawing/2014/main" id="{1A4F0EE6-9FAD-E4D0-9758-A75FEF7984B8}"/>
               </a:ext>
             </a:extLst>
           </p:cNvPr>
@@ -894,7 +894,7 @@
           <p:cNvPr id="6" name="灯片编号占位符 5">
             <a:extLst>
               <a:ext uri="{FF2B5EF4-FFF2-40B4-BE49-F238E27FC236}">
-                <a16:creationId xmlns:a16="http://schemas.microsoft.com/office/drawing/2014/main" id="{452DD7F8-3B7D-5081-EAE9-485A419F1B78}"/>
+                <a16:creationId xmlns:a16="http://schemas.microsoft.com/office/drawing/2014/main" id="{E66C3907-CEBF-0415-02A2-B8603FF4606E}"/>
               </a:ext>
             </a:extLst>
           </p:cNvPr>
@@ -910,7 +910,7 @@
           <a:bodyPr/>
           <a:lstStyle/>
           <a:p>
-            <a:fld id="{8B27E246-BAD5-45A0-9AC2-F1625DB610D2}" type="slidenum">
+            <a:fld id="{CC395179-ED37-49A8-957D-F566E9F2276E}" type="slidenum">
               <a:rPr lang="zh-CN" altLang="en-US" smtClean="0"/>
               <a:t>‹#›</a:t>
             </a:fld>
@@ -921,7 +921,7 @@
     </p:spTree>
     <p:extLst>
       <p:ext uri="{BB962C8B-B14F-4D97-AF65-F5344CB8AC3E}">
-        <p14:creationId xmlns:p14="http://schemas.microsoft.com/office/powerpoint/2010/main" val="2274466517"/>
+        <p14:creationId xmlns:p14="http://schemas.microsoft.com/office/powerpoint/2010/main" val="1201039414"/>
       </p:ext>
     </p:extLst>
   </p:cSld>
@@ -953,7 +953,7 @@
           <p:cNvPr id="2" name="标题 1">
             <a:extLst>
               <a:ext uri="{FF2B5EF4-FFF2-40B4-BE49-F238E27FC236}">
-                <a16:creationId xmlns:a16="http://schemas.microsoft.com/office/drawing/2014/main" id="{4ED42E06-F6C4-A67D-E7EE-080B0F196D2D}"/>
+                <a16:creationId xmlns:a16="http://schemas.microsoft.com/office/drawing/2014/main" id="{10366128-B9F6-EE66-AC57-1C9865D69B9C}"/>
               </a:ext>
             </a:extLst>
           </p:cNvPr>
@@ -990,7 +990,7 @@
           <p:cNvPr id="3" name="文本占位符 2">
             <a:extLst>
               <a:ext uri="{FF2B5EF4-FFF2-40B4-BE49-F238E27FC236}">
-                <a16:creationId xmlns:a16="http://schemas.microsoft.com/office/drawing/2014/main" id="{E56D8F17-9466-CE49-F8D8-CDAF78DE73CB}"/>
+                <a16:creationId xmlns:a16="http://schemas.microsoft.com/office/drawing/2014/main" id="{4D43633D-790A-5C9F-3A8A-C31470AF888C}"/>
               </a:ext>
             </a:extLst>
           </p:cNvPr>
@@ -1115,7 +1115,7 @@
           <p:cNvPr id="4" name="日期占位符 3">
             <a:extLst>
               <a:ext uri="{FF2B5EF4-FFF2-40B4-BE49-F238E27FC236}">
-                <a16:creationId xmlns:a16="http://schemas.microsoft.com/office/drawing/2014/main" id="{667C6811-6513-BEFA-A44A-EE760F0AF228}"/>
+                <a16:creationId xmlns:a16="http://schemas.microsoft.com/office/drawing/2014/main" id="{6F52EBF4-FA57-F19B-E007-433BFA9D71CD}"/>
               </a:ext>
             </a:extLst>
           </p:cNvPr>
@@ -1131,7 +1131,7 @@
           <a:bodyPr/>
           <a:lstStyle/>
           <a:p>
-            <a:fld id="{C8FC257E-6989-4332-83F4-1E8E4839F423}" type="datetimeFigureOut">
+            <a:fld id="{5628A0AE-61E8-4B73-8E57-39F9C89E25E8}" type="datetimeFigureOut">
               <a:rPr lang="zh-CN" altLang="en-US" smtClean="0"/>
               <a:t>2024/3/10</a:t>
             </a:fld>
@@ -1144,7 +1144,7 @@
           <p:cNvPr id="5" name="页脚占位符 4">
             <a:extLst>
               <a:ext uri="{FF2B5EF4-FFF2-40B4-BE49-F238E27FC236}">
-                <a16:creationId xmlns:a16="http://schemas.microsoft.com/office/drawing/2014/main" id="{E4E36D6D-EA65-E07F-75C1-F11718536ACD}"/>
+                <a16:creationId xmlns:a16="http://schemas.microsoft.com/office/drawing/2014/main" id="{FF98A939-6ED9-4E01-F96A-57232194694B}"/>
               </a:ext>
             </a:extLst>
           </p:cNvPr>
@@ -1169,7 +1169,7 @@
           <p:cNvPr id="6" name="灯片编号占位符 5">
             <a:extLst>
               <a:ext uri="{FF2B5EF4-FFF2-40B4-BE49-F238E27FC236}">
-                <a16:creationId xmlns:a16="http://schemas.microsoft.com/office/drawing/2014/main" id="{1916B27B-CF5E-EFF6-B1BC-10A7AA386298}"/>
+                <a16:creationId xmlns:a16="http://schemas.microsoft.com/office/drawing/2014/main" id="{C08BB9AC-79AC-3F0B-B70A-6EB444A1B027}"/>
               </a:ext>
             </a:extLst>
           </p:cNvPr>
@@ -1185,7 +1185,7 @@
           <a:bodyPr/>
           <a:lstStyle/>
           <a:p>
-            <a:fld id="{8B27E246-BAD5-45A0-9AC2-F1625DB610D2}" type="slidenum">
+            <a:fld id="{CC395179-ED37-49A8-957D-F566E9F2276E}" type="slidenum">
               <a:rPr lang="zh-CN" altLang="en-US" smtClean="0"/>
               <a:t>‹#›</a:t>
             </a:fld>
@@ -1196,7 +1196,7 @@
     </p:spTree>
     <p:extLst>
       <p:ext uri="{BB962C8B-B14F-4D97-AF65-F5344CB8AC3E}">
-        <p14:creationId xmlns:p14="http://schemas.microsoft.com/office/powerpoint/2010/main" val="303713670"/>
+        <p14:creationId xmlns:p14="http://schemas.microsoft.com/office/powerpoint/2010/main" val="1007158175"/>
       </p:ext>
     </p:extLst>
   </p:cSld>
@@ -1228,7 +1228,7 @@
           <p:cNvPr id="2" name="标题 1">
             <a:extLst>
               <a:ext uri="{FF2B5EF4-FFF2-40B4-BE49-F238E27FC236}">
-                <a16:creationId xmlns:a16="http://schemas.microsoft.com/office/drawing/2014/main" id="{D01BA399-4737-D741-6C4E-841D13A5326C}"/>
+                <a16:creationId xmlns:a16="http://schemas.microsoft.com/office/drawing/2014/main" id="{6E1F8927-8A53-F40A-D7BC-93E292472FF7}"/>
               </a:ext>
             </a:extLst>
           </p:cNvPr>
@@ -1256,7 +1256,7 @@
           <p:cNvPr id="3" name="内容占位符 2">
             <a:extLst>
               <a:ext uri="{FF2B5EF4-FFF2-40B4-BE49-F238E27FC236}">
-                <a16:creationId xmlns:a16="http://schemas.microsoft.com/office/drawing/2014/main" id="{8CAA5C5B-EA62-D014-13C5-C0189CD9D49B}"/>
+                <a16:creationId xmlns:a16="http://schemas.microsoft.com/office/drawing/2014/main" id="{2AEA257A-43DD-5FDE-C6D7-5B93417AF413}"/>
               </a:ext>
             </a:extLst>
           </p:cNvPr>
@@ -1318,7 +1318,7 @@
           <p:cNvPr id="4" name="内容占位符 3">
             <a:extLst>
               <a:ext uri="{FF2B5EF4-FFF2-40B4-BE49-F238E27FC236}">
-                <a16:creationId xmlns:a16="http://schemas.microsoft.com/office/drawing/2014/main" id="{B2D74866-816A-05E4-01E1-FE2889E089D1}"/>
+                <a16:creationId xmlns:a16="http://schemas.microsoft.com/office/drawing/2014/main" id="{D44B43F9-EA32-883D-2A50-0F8DFC1725C3}"/>
               </a:ext>
             </a:extLst>
           </p:cNvPr>
@@ -1380,7 +1380,7 @@
           <p:cNvPr id="5" name="日期占位符 4">
             <a:extLst>
               <a:ext uri="{FF2B5EF4-FFF2-40B4-BE49-F238E27FC236}">
-                <a16:creationId xmlns:a16="http://schemas.microsoft.com/office/drawing/2014/main" id="{8046AAC7-B588-7AEA-BF15-618826F8456B}"/>
+                <a16:creationId xmlns:a16="http://schemas.microsoft.com/office/drawing/2014/main" id="{33949B6B-FABE-31B8-D630-FD83DA2884D7}"/>
               </a:ext>
             </a:extLst>
           </p:cNvPr>
@@ -1396,7 +1396,7 @@
           <a:bodyPr/>
           <a:lstStyle/>
           <a:p>
-            <a:fld id="{C8FC257E-6989-4332-83F4-1E8E4839F423}" type="datetimeFigureOut">
+            <a:fld id="{5628A0AE-61E8-4B73-8E57-39F9C89E25E8}" type="datetimeFigureOut">
               <a:rPr lang="zh-CN" altLang="en-US" smtClean="0"/>
               <a:t>2024/3/10</a:t>
             </a:fld>
@@ -1409,7 +1409,7 @@
           <p:cNvPr id="6" name="页脚占位符 5">
             <a:extLst>
               <a:ext uri="{FF2B5EF4-FFF2-40B4-BE49-F238E27FC236}">
-                <a16:creationId xmlns:a16="http://schemas.microsoft.com/office/drawing/2014/main" id="{795316E6-7A56-40BD-9AF5-54BDC10A7905}"/>
+                <a16:creationId xmlns:a16="http://schemas.microsoft.com/office/drawing/2014/main" id="{A7D1E8F3-D550-F806-CE33-E126E28B9B5E}"/>
               </a:ext>
             </a:extLst>
           </p:cNvPr>
@@ -1434,7 +1434,7 @@
           <p:cNvPr id="7" name="灯片编号占位符 6">
             <a:extLst>
               <a:ext uri="{FF2B5EF4-FFF2-40B4-BE49-F238E27FC236}">
-                <a16:creationId xmlns:a16="http://schemas.microsoft.com/office/drawing/2014/main" id="{27CBF13A-6E9F-CA63-34E9-01459C51AC61}"/>
+                <a16:creationId xmlns:a16="http://schemas.microsoft.com/office/drawing/2014/main" id="{46487B88-8FCE-D582-7A37-88A843F85C3C}"/>
               </a:ext>
             </a:extLst>
           </p:cNvPr>
@@ -1450,7 +1450,7 @@
           <a:bodyPr/>
           <a:lstStyle/>
           <a:p>
-            <a:fld id="{8B27E246-BAD5-45A0-9AC2-F1625DB610D2}" type="slidenum">
+            <a:fld id="{CC395179-ED37-49A8-957D-F566E9F2276E}" type="slidenum">
               <a:rPr lang="zh-CN" altLang="en-US" smtClean="0"/>
               <a:t>‹#›</a:t>
             </a:fld>
@@ -1461,7 +1461,7 @@
     </p:spTree>
     <p:extLst>
       <p:ext uri="{BB962C8B-B14F-4D97-AF65-F5344CB8AC3E}">
-        <p14:creationId xmlns:p14="http://schemas.microsoft.com/office/powerpoint/2010/main" val="4167995267"/>
+        <p14:creationId xmlns:p14="http://schemas.microsoft.com/office/powerpoint/2010/main" val="3059206213"/>
       </p:ext>
     </p:extLst>
   </p:cSld>
@@ -1493,7 +1493,7 @@
           <p:cNvPr id="2" name="标题 1">
             <a:extLst>
               <a:ext uri="{FF2B5EF4-FFF2-40B4-BE49-F238E27FC236}">
-                <a16:creationId xmlns:a16="http://schemas.microsoft.com/office/drawing/2014/main" id="{8677804A-2A9E-64C3-4657-72AB94823831}"/>
+                <a16:creationId xmlns:a16="http://schemas.microsoft.com/office/drawing/2014/main" id="{E69019B2-3702-C108-FFB3-0454E84E1222}"/>
               </a:ext>
             </a:extLst>
           </p:cNvPr>
@@ -1526,7 +1526,7 @@
           <p:cNvPr id="3" name="文本占位符 2">
             <a:extLst>
               <a:ext uri="{FF2B5EF4-FFF2-40B4-BE49-F238E27FC236}">
-                <a16:creationId xmlns:a16="http://schemas.microsoft.com/office/drawing/2014/main" id="{B0CAFC7F-4AB1-BE91-7753-79132F3C17A0}"/>
+                <a16:creationId xmlns:a16="http://schemas.microsoft.com/office/drawing/2014/main" id="{E7A19AD4-2B35-7795-8610-3CE25493B2C3}"/>
               </a:ext>
             </a:extLst>
           </p:cNvPr>
@@ -1597,7 +1597,7 @@
           <p:cNvPr id="4" name="内容占位符 3">
             <a:extLst>
               <a:ext uri="{FF2B5EF4-FFF2-40B4-BE49-F238E27FC236}">
-                <a16:creationId xmlns:a16="http://schemas.microsoft.com/office/drawing/2014/main" id="{F254F720-4569-CAE6-4070-43BACB23CB6A}"/>
+                <a16:creationId xmlns:a16="http://schemas.microsoft.com/office/drawing/2014/main" id="{AD2AE27A-D66B-D348-D2F1-C49A05F89CAD}"/>
               </a:ext>
             </a:extLst>
           </p:cNvPr>
@@ -1659,7 +1659,7 @@
           <p:cNvPr id="5" name="文本占位符 4">
             <a:extLst>
               <a:ext uri="{FF2B5EF4-FFF2-40B4-BE49-F238E27FC236}">
-                <a16:creationId xmlns:a16="http://schemas.microsoft.com/office/drawing/2014/main" id="{78738215-C29C-875F-DBB5-92419D17095A}"/>
+                <a16:creationId xmlns:a16="http://schemas.microsoft.com/office/drawing/2014/main" id="{5FF3F0FC-93BF-8079-BD50-C0DC18FBC802}"/>
               </a:ext>
             </a:extLst>
           </p:cNvPr>
@@ -1730,7 +1730,7 @@
           <p:cNvPr id="6" name="内容占位符 5">
             <a:extLst>
               <a:ext uri="{FF2B5EF4-FFF2-40B4-BE49-F238E27FC236}">
-                <a16:creationId xmlns:a16="http://schemas.microsoft.com/office/drawing/2014/main" id="{DF1DE97D-94D9-7B32-7DE5-87C243CC26CD}"/>
+                <a16:creationId xmlns:a16="http://schemas.microsoft.com/office/drawing/2014/main" id="{ABF4745B-BBF6-44C1-FF49-9D314980BF08}"/>
               </a:ext>
             </a:extLst>
           </p:cNvPr>
@@ -1792,7 +1792,7 @@
           <p:cNvPr id="7" name="日期占位符 6">
             <a:extLst>
               <a:ext uri="{FF2B5EF4-FFF2-40B4-BE49-F238E27FC236}">
-                <a16:creationId xmlns:a16="http://schemas.microsoft.com/office/drawing/2014/main" id="{91F6EFFE-14F9-FFAD-A737-2D85FDC8BE9D}"/>
+                <a16:creationId xmlns:a16="http://schemas.microsoft.com/office/drawing/2014/main" id="{42FA46DF-8AD9-3770-3286-5BD8C56E2684}"/>
               </a:ext>
             </a:extLst>
           </p:cNvPr>
@@ -1808,7 +1808,7 @@
           <a:bodyPr/>
           <a:lstStyle/>
           <a:p>
-            <a:fld id="{C8FC257E-6989-4332-83F4-1E8E4839F423}" type="datetimeFigureOut">
+            <a:fld id="{5628A0AE-61E8-4B73-8E57-39F9C89E25E8}" type="datetimeFigureOut">
               <a:rPr lang="zh-CN" altLang="en-US" smtClean="0"/>
               <a:t>2024/3/10</a:t>
             </a:fld>
@@ -1821,7 +1821,7 @@
           <p:cNvPr id="8" name="页脚占位符 7">
             <a:extLst>
               <a:ext uri="{FF2B5EF4-FFF2-40B4-BE49-F238E27FC236}">
-                <a16:creationId xmlns:a16="http://schemas.microsoft.com/office/drawing/2014/main" id="{84F1E5E1-5614-F00A-7398-0C4DC1038998}"/>
+                <a16:creationId xmlns:a16="http://schemas.microsoft.com/office/drawing/2014/main" id="{2F192C85-A47B-F061-5FC8-50F5E0C62504}"/>
               </a:ext>
             </a:extLst>
           </p:cNvPr>
@@ -1846,7 +1846,7 @@
           <p:cNvPr id="9" name="灯片编号占位符 8">
             <a:extLst>
               <a:ext uri="{FF2B5EF4-FFF2-40B4-BE49-F238E27FC236}">
-                <a16:creationId xmlns:a16="http://schemas.microsoft.com/office/drawing/2014/main" id="{C0EC15CE-1351-C8AF-E49F-0871435E1F51}"/>
+                <a16:creationId xmlns:a16="http://schemas.microsoft.com/office/drawing/2014/main" id="{A6228425-99C9-4601-50C6-1698DECEB345}"/>
               </a:ext>
             </a:extLst>
           </p:cNvPr>
@@ -1862,7 +1862,7 @@
           <a:bodyPr/>
           <a:lstStyle/>
           <a:p>
-            <a:fld id="{8B27E246-BAD5-45A0-9AC2-F1625DB610D2}" type="slidenum">
+            <a:fld id="{CC395179-ED37-49A8-957D-F566E9F2276E}" type="slidenum">
               <a:rPr lang="zh-CN" altLang="en-US" smtClean="0"/>
               <a:t>‹#›</a:t>
             </a:fld>
@@ -1873,7 +1873,7 @@
     </p:spTree>
     <p:extLst>
       <p:ext uri="{BB962C8B-B14F-4D97-AF65-F5344CB8AC3E}">
-        <p14:creationId xmlns:p14="http://schemas.microsoft.com/office/powerpoint/2010/main" val="1807324643"/>
+        <p14:creationId xmlns:p14="http://schemas.microsoft.com/office/powerpoint/2010/main" val="3014405547"/>
       </p:ext>
     </p:extLst>
   </p:cSld>
@@ -1905,7 +1905,7 @@
           <p:cNvPr id="2" name="标题 1">
             <a:extLst>
               <a:ext uri="{FF2B5EF4-FFF2-40B4-BE49-F238E27FC236}">
-                <a16:creationId xmlns:a16="http://schemas.microsoft.com/office/drawing/2014/main" id="{D128EDCE-7858-2E9A-5A9D-76CB52CEC76B}"/>
+                <a16:creationId xmlns:a16="http://schemas.microsoft.com/office/drawing/2014/main" id="{AABE3BC0-B5C7-508E-4A5B-10DDD7D84BD9}"/>
               </a:ext>
             </a:extLst>
           </p:cNvPr>
@@ -1933,7 +1933,7 @@
           <p:cNvPr id="3" name="日期占位符 2">
             <a:extLst>
               <a:ext uri="{FF2B5EF4-FFF2-40B4-BE49-F238E27FC236}">
-                <a16:creationId xmlns:a16="http://schemas.microsoft.com/office/drawing/2014/main" id="{E5C52CA2-C971-4085-5265-D17D08861945}"/>
+                <a16:creationId xmlns:a16="http://schemas.microsoft.com/office/drawing/2014/main" id="{B4925DFF-CC42-A62D-BFE9-59972C4A04B4}"/>
               </a:ext>
             </a:extLst>
           </p:cNvPr>
@@ -1949,7 +1949,7 @@
           <a:bodyPr/>
           <a:lstStyle/>
           <a:p>
-            <a:fld id="{C8FC257E-6989-4332-83F4-1E8E4839F423}" type="datetimeFigureOut">
+            <a:fld id="{5628A0AE-61E8-4B73-8E57-39F9C89E25E8}" type="datetimeFigureOut">
               <a:rPr lang="zh-CN" altLang="en-US" smtClean="0"/>
               <a:t>2024/3/10</a:t>
             </a:fld>
@@ -1962,7 +1962,7 @@
           <p:cNvPr id="4" name="页脚占位符 3">
             <a:extLst>
               <a:ext uri="{FF2B5EF4-FFF2-40B4-BE49-F238E27FC236}">
-                <a16:creationId xmlns:a16="http://schemas.microsoft.com/office/drawing/2014/main" id="{C969514D-8D9A-DFFB-CBD0-9F1C363D3FAA}"/>
+                <a16:creationId xmlns:a16="http://schemas.microsoft.com/office/drawing/2014/main" id="{D9E94731-2B92-9F5C-D91C-37A0CF98D51F}"/>
               </a:ext>
             </a:extLst>
           </p:cNvPr>
@@ -1987,7 +1987,7 @@
           <p:cNvPr id="5" name="灯片编号占位符 4">
             <a:extLst>
               <a:ext uri="{FF2B5EF4-FFF2-40B4-BE49-F238E27FC236}">
-                <a16:creationId xmlns:a16="http://schemas.microsoft.com/office/drawing/2014/main" id="{53479F6B-1CBE-1E34-C372-26134443BD0D}"/>
+                <a16:creationId xmlns:a16="http://schemas.microsoft.com/office/drawing/2014/main" id="{9B6FD478-654A-CBCF-3979-E091BBB15D1F}"/>
               </a:ext>
             </a:extLst>
           </p:cNvPr>
@@ -2003,7 +2003,7 @@
           <a:bodyPr/>
           <a:lstStyle/>
           <a:p>
-            <a:fld id="{8B27E246-BAD5-45A0-9AC2-F1625DB610D2}" type="slidenum">
+            <a:fld id="{CC395179-ED37-49A8-957D-F566E9F2276E}" type="slidenum">
               <a:rPr lang="zh-CN" altLang="en-US" smtClean="0"/>
               <a:t>‹#›</a:t>
             </a:fld>
@@ -2014,7 +2014,7 @@
     </p:spTree>
     <p:extLst>
       <p:ext uri="{BB962C8B-B14F-4D97-AF65-F5344CB8AC3E}">
-        <p14:creationId xmlns:p14="http://schemas.microsoft.com/office/powerpoint/2010/main" val="1036704435"/>
+        <p14:creationId xmlns:p14="http://schemas.microsoft.com/office/powerpoint/2010/main" val="2232394762"/>
       </p:ext>
     </p:extLst>
   </p:cSld>
@@ -2046,7 +2046,7 @@
           <p:cNvPr id="2" name="日期占位符 1">
             <a:extLst>
               <a:ext uri="{FF2B5EF4-FFF2-40B4-BE49-F238E27FC236}">
-                <a16:creationId xmlns:a16="http://schemas.microsoft.com/office/drawing/2014/main" id="{EFB8CFDA-8995-A011-9E64-6F8BFBC908CB}"/>
+                <a16:creationId xmlns:a16="http://schemas.microsoft.com/office/drawing/2014/main" id="{FA496C4D-C1AA-9ABB-1A62-A2B8017FD8AF}"/>
               </a:ext>
             </a:extLst>
           </p:cNvPr>
@@ -2062,7 +2062,7 @@
           <a:bodyPr/>
           <a:lstStyle/>
           <a:p>
-            <a:fld id="{C8FC257E-6989-4332-83F4-1E8E4839F423}" type="datetimeFigureOut">
+            <a:fld id="{5628A0AE-61E8-4B73-8E57-39F9C89E25E8}" type="datetimeFigureOut">
               <a:rPr lang="zh-CN" altLang="en-US" smtClean="0"/>
               <a:t>2024/3/10</a:t>
             </a:fld>
@@ -2075,7 +2075,7 @@
           <p:cNvPr id="3" name="页脚占位符 2">
             <a:extLst>
               <a:ext uri="{FF2B5EF4-FFF2-40B4-BE49-F238E27FC236}">
-                <a16:creationId xmlns:a16="http://schemas.microsoft.com/office/drawing/2014/main" id="{BAAD3775-3D1A-EF75-A788-117B0F59A6DE}"/>
+                <a16:creationId xmlns:a16="http://schemas.microsoft.com/office/drawing/2014/main" id="{368726AC-135E-826B-8F72-406337985341}"/>
               </a:ext>
             </a:extLst>
           </p:cNvPr>
@@ -2100,7 +2100,7 @@
           <p:cNvPr id="4" name="灯片编号占位符 3">
             <a:extLst>
               <a:ext uri="{FF2B5EF4-FFF2-40B4-BE49-F238E27FC236}">
-                <a16:creationId xmlns:a16="http://schemas.microsoft.com/office/drawing/2014/main" id="{92A8132D-9292-32D9-0416-28A9E64704D8}"/>
+                <a16:creationId xmlns:a16="http://schemas.microsoft.com/office/drawing/2014/main" id="{203023B1-48C7-C86C-C4B0-8820B58518B9}"/>
               </a:ext>
             </a:extLst>
           </p:cNvPr>
@@ -2116,7 +2116,7 @@
           <a:bodyPr/>
           <a:lstStyle/>
           <a:p>
-            <a:fld id="{8B27E246-BAD5-45A0-9AC2-F1625DB610D2}" type="slidenum">
+            <a:fld id="{CC395179-ED37-49A8-957D-F566E9F2276E}" type="slidenum">
               <a:rPr lang="zh-CN" altLang="en-US" smtClean="0"/>
               <a:t>‹#›</a:t>
             </a:fld>
@@ -2127,7 +2127,7 @@
     </p:spTree>
     <p:extLst>
       <p:ext uri="{BB962C8B-B14F-4D97-AF65-F5344CB8AC3E}">
-        <p14:creationId xmlns:p14="http://schemas.microsoft.com/office/powerpoint/2010/main" val="1902767151"/>
+        <p14:creationId xmlns:p14="http://schemas.microsoft.com/office/powerpoint/2010/main" val="4192373349"/>
       </p:ext>
     </p:extLst>
   </p:cSld>
@@ -2159,7 +2159,7 @@
           <p:cNvPr id="2" name="标题 1">
             <a:extLst>
               <a:ext uri="{FF2B5EF4-FFF2-40B4-BE49-F238E27FC236}">
-                <a16:creationId xmlns:a16="http://schemas.microsoft.com/office/drawing/2014/main" id="{F26054F6-6F6A-FB8D-EBD6-1C9A213805DD}"/>
+                <a16:creationId xmlns:a16="http://schemas.microsoft.com/office/drawing/2014/main" id="{87A6133E-6EE0-649A-C99B-9FDA9405BE3E}"/>
               </a:ext>
             </a:extLst>
           </p:cNvPr>
@@ -2196,7 +2196,7 @@
           <p:cNvPr id="3" name="内容占位符 2">
             <a:extLst>
               <a:ext uri="{FF2B5EF4-FFF2-40B4-BE49-F238E27FC236}">
-                <a16:creationId xmlns:a16="http://schemas.microsoft.com/office/drawing/2014/main" id="{7153EBD5-06FD-7C84-7C24-8BCCA8239DD3}"/>
+                <a16:creationId xmlns:a16="http://schemas.microsoft.com/office/drawing/2014/main" id="{C7E8B327-80FD-E47D-FA4B-DDA8ECEE0544}"/>
               </a:ext>
             </a:extLst>
           </p:cNvPr>
@@ -2286,7 +2286,7 @@
           <p:cNvPr id="4" name="文本占位符 3">
             <a:extLst>
               <a:ext uri="{FF2B5EF4-FFF2-40B4-BE49-F238E27FC236}">
-                <a16:creationId xmlns:a16="http://schemas.microsoft.com/office/drawing/2014/main" id="{59AC8896-C554-0C05-FF4E-0D06F7986DB2}"/>
+                <a16:creationId xmlns:a16="http://schemas.microsoft.com/office/drawing/2014/main" id="{13A0307F-139F-F181-1701-CB399310E4FC}"/>
               </a:ext>
             </a:extLst>
           </p:cNvPr>
@@ -2357,7 +2357,7 @@
           <p:cNvPr id="5" name="日期占位符 4">
             <a:extLst>
               <a:ext uri="{FF2B5EF4-FFF2-40B4-BE49-F238E27FC236}">
-                <a16:creationId xmlns:a16="http://schemas.microsoft.com/office/drawing/2014/main" id="{245A4887-3AA0-AEE1-9F59-D001365FD389}"/>
+                <a16:creationId xmlns:a16="http://schemas.microsoft.com/office/drawing/2014/main" id="{77A876C2-C52C-8CC3-E57E-AC742A5C2024}"/>
               </a:ext>
             </a:extLst>
           </p:cNvPr>
@@ -2373,7 +2373,7 @@
           <a:bodyPr/>
           <a:lstStyle/>
           <a:p>
-            <a:fld id="{C8FC257E-6989-4332-83F4-1E8E4839F423}" type="datetimeFigureOut">
+            <a:fld id="{5628A0AE-61E8-4B73-8E57-39F9C89E25E8}" type="datetimeFigureOut">
               <a:rPr lang="zh-CN" altLang="en-US" smtClean="0"/>
               <a:t>2024/3/10</a:t>
             </a:fld>
@@ -2386,7 +2386,7 @@
           <p:cNvPr id="6" name="页脚占位符 5">
             <a:extLst>
               <a:ext uri="{FF2B5EF4-FFF2-40B4-BE49-F238E27FC236}">
-                <a16:creationId xmlns:a16="http://schemas.microsoft.com/office/drawing/2014/main" id="{59887C92-79C7-18CD-1FE9-9F5F833FE3E7}"/>
+                <a16:creationId xmlns:a16="http://schemas.microsoft.com/office/drawing/2014/main" id="{A85B1D8F-B7C5-A279-491D-B59F116D865F}"/>
               </a:ext>
             </a:extLst>
           </p:cNvPr>
@@ -2411,7 +2411,7 @@
           <p:cNvPr id="7" name="灯片编号占位符 6">
             <a:extLst>
               <a:ext uri="{FF2B5EF4-FFF2-40B4-BE49-F238E27FC236}">
-                <a16:creationId xmlns:a16="http://schemas.microsoft.com/office/drawing/2014/main" id="{3D08BD74-F2B4-DCC2-A9FE-AB9BA53A67C3}"/>
+                <a16:creationId xmlns:a16="http://schemas.microsoft.com/office/drawing/2014/main" id="{76893DEB-B124-77B5-79C5-8D6EB4C2F3F1}"/>
               </a:ext>
             </a:extLst>
           </p:cNvPr>
@@ -2427,7 +2427,7 @@
           <a:bodyPr/>
           <a:lstStyle/>
           <a:p>
-            <a:fld id="{8B27E246-BAD5-45A0-9AC2-F1625DB610D2}" type="slidenum">
+            <a:fld id="{CC395179-ED37-49A8-957D-F566E9F2276E}" type="slidenum">
               <a:rPr lang="zh-CN" altLang="en-US" smtClean="0"/>
               <a:t>‹#›</a:t>
             </a:fld>
@@ -2438,7 +2438,7 @@
     </p:spTree>
     <p:extLst>
       <p:ext uri="{BB962C8B-B14F-4D97-AF65-F5344CB8AC3E}">
-        <p14:creationId xmlns:p14="http://schemas.microsoft.com/office/powerpoint/2010/main" val="2736074285"/>
+        <p14:creationId xmlns:p14="http://schemas.microsoft.com/office/powerpoint/2010/main" val="219804960"/>
       </p:ext>
     </p:extLst>
   </p:cSld>
@@ -2470,7 +2470,7 @@
           <p:cNvPr id="2" name="标题 1">
             <a:extLst>
               <a:ext uri="{FF2B5EF4-FFF2-40B4-BE49-F238E27FC236}">
-                <a16:creationId xmlns:a16="http://schemas.microsoft.com/office/drawing/2014/main" id="{E1460903-53BD-03B8-3C14-E5374948CDB9}"/>
+                <a16:creationId xmlns:a16="http://schemas.microsoft.com/office/drawing/2014/main" id="{5B752071-472B-D61E-F518-9779ABF83B59}"/>
               </a:ext>
             </a:extLst>
           </p:cNvPr>
@@ -2507,7 +2507,7 @@
           <p:cNvPr id="3" name="图片占位符 2">
             <a:extLst>
               <a:ext uri="{FF2B5EF4-FFF2-40B4-BE49-F238E27FC236}">
-                <a16:creationId xmlns:a16="http://schemas.microsoft.com/office/drawing/2014/main" id="{A746602A-2DE0-2D53-4F60-2645FC8328B5}"/>
+                <a16:creationId xmlns:a16="http://schemas.microsoft.com/office/drawing/2014/main" id="{75AB20B3-FA46-41F7-0B2E-72DDB4318841}"/>
               </a:ext>
             </a:extLst>
           </p:cNvPr>
@@ -2574,7 +2574,7 @@
           <p:cNvPr id="4" name="文本占位符 3">
             <a:extLst>
               <a:ext uri="{FF2B5EF4-FFF2-40B4-BE49-F238E27FC236}">
-                <a16:creationId xmlns:a16="http://schemas.microsoft.com/office/drawing/2014/main" id="{D92048C9-F996-D81E-C46C-CB841510DB57}"/>
+                <a16:creationId xmlns:a16="http://schemas.microsoft.com/office/drawing/2014/main" id="{1AE7E022-DB7E-C250-63D6-495944CA6FFD}"/>
               </a:ext>
             </a:extLst>
           </p:cNvPr>
@@ -2645,7 +2645,7 @@
           <p:cNvPr id="5" name="日期占位符 4">
             <a:extLst>
               <a:ext uri="{FF2B5EF4-FFF2-40B4-BE49-F238E27FC236}">
-                <a16:creationId xmlns:a16="http://schemas.microsoft.com/office/drawing/2014/main" id="{5460B3CB-0293-6291-C68E-214717914486}"/>
+                <a16:creationId xmlns:a16="http://schemas.microsoft.com/office/drawing/2014/main" id="{7D7A688D-BC5E-964C-4DCD-D5840643708D}"/>
               </a:ext>
             </a:extLst>
           </p:cNvPr>
@@ -2661,7 +2661,7 @@
           <a:bodyPr/>
           <a:lstStyle/>
           <a:p>
-            <a:fld id="{C8FC257E-6989-4332-83F4-1E8E4839F423}" type="datetimeFigureOut">
+            <a:fld id="{5628A0AE-61E8-4B73-8E57-39F9C89E25E8}" type="datetimeFigureOut">
               <a:rPr lang="zh-CN" altLang="en-US" smtClean="0"/>
               <a:t>2024/3/10</a:t>
             </a:fld>
@@ -2674,7 +2674,7 @@
           <p:cNvPr id="6" name="页脚占位符 5">
             <a:extLst>
               <a:ext uri="{FF2B5EF4-FFF2-40B4-BE49-F238E27FC236}">
-                <a16:creationId xmlns:a16="http://schemas.microsoft.com/office/drawing/2014/main" id="{9E842C3D-9A3A-2C49-93CF-EA14BB919875}"/>
+                <a16:creationId xmlns:a16="http://schemas.microsoft.com/office/drawing/2014/main" id="{58E7A608-6F0D-1548-336D-ADEF760465D3}"/>
               </a:ext>
             </a:extLst>
           </p:cNvPr>
@@ -2699,7 +2699,7 @@
           <p:cNvPr id="7" name="灯片编号占位符 6">
             <a:extLst>
               <a:ext uri="{FF2B5EF4-FFF2-40B4-BE49-F238E27FC236}">
-                <a16:creationId xmlns:a16="http://schemas.microsoft.com/office/drawing/2014/main" id="{42B48C5D-9607-DEB8-6641-37F091AD7599}"/>
+                <a16:creationId xmlns:a16="http://schemas.microsoft.com/office/drawing/2014/main" id="{2CC51AE0-764D-5595-F541-F1E5D7FAB20E}"/>
               </a:ext>
             </a:extLst>
           </p:cNvPr>
@@ -2715,7 +2715,7 @@
           <a:bodyPr/>
           <a:lstStyle/>
           <a:p>
-            <a:fld id="{8B27E246-BAD5-45A0-9AC2-F1625DB610D2}" type="slidenum">
+            <a:fld id="{CC395179-ED37-49A8-957D-F566E9F2276E}" type="slidenum">
               <a:rPr lang="zh-CN" altLang="en-US" smtClean="0"/>
               <a:t>‹#›</a:t>
             </a:fld>
@@ -2726,7 +2726,7 @@
     </p:spTree>
     <p:extLst>
       <p:ext uri="{BB962C8B-B14F-4D97-AF65-F5344CB8AC3E}">
-        <p14:creationId xmlns:p14="http://schemas.microsoft.com/office/powerpoint/2010/main" val="4152816874"/>
+        <p14:creationId xmlns:p14="http://schemas.microsoft.com/office/powerpoint/2010/main" val="3977996550"/>
       </p:ext>
     </p:extLst>
   </p:cSld>
@@ -2763,7 +2763,7 @@
           <p:cNvPr id="2" name="标题占位符 1">
             <a:extLst>
               <a:ext uri="{FF2B5EF4-FFF2-40B4-BE49-F238E27FC236}">
-                <a16:creationId xmlns:a16="http://schemas.microsoft.com/office/drawing/2014/main" id="{2B18EE5E-5174-E5E7-5594-C65D680BEE49}"/>
+                <a16:creationId xmlns:a16="http://schemas.microsoft.com/office/drawing/2014/main" id="{583D9DE0-5E75-439D-3FAB-B37C475C8B07}"/>
               </a:ext>
             </a:extLst>
           </p:cNvPr>
@@ -2801,7 +2801,7 @@
           <p:cNvPr id="3" name="文本占位符 2">
             <a:extLst>
               <a:ext uri="{FF2B5EF4-FFF2-40B4-BE49-F238E27FC236}">
-                <a16:creationId xmlns:a16="http://schemas.microsoft.com/office/drawing/2014/main" id="{CF1D2C91-0320-63BA-D357-F89FC8D9F672}"/>
+                <a16:creationId xmlns:a16="http://schemas.microsoft.com/office/drawing/2014/main" id="{5EBB18E7-5542-911B-3922-6BA311A313C3}"/>
               </a:ext>
             </a:extLst>
           </p:cNvPr>
@@ -2868,7 +2868,7 @@
           <p:cNvPr id="4" name="日期占位符 3">
             <a:extLst>
               <a:ext uri="{FF2B5EF4-FFF2-40B4-BE49-F238E27FC236}">
-                <a16:creationId xmlns:a16="http://schemas.microsoft.com/office/drawing/2014/main" id="{03D4B3F3-A5D6-68B1-6BB4-6A0AFBD3A81D}"/>
+                <a16:creationId xmlns:a16="http://schemas.microsoft.com/office/drawing/2014/main" id="{D88106AF-6A2E-92CA-31A4-6ACAD2917873}"/>
               </a:ext>
             </a:extLst>
           </p:cNvPr>
@@ -2902,7 +2902,7 @@
             </a:lvl1pPr>
           </a:lstStyle>
           <a:p>
-            <a:fld id="{C8FC257E-6989-4332-83F4-1E8E4839F423}" type="datetimeFigureOut">
+            <a:fld id="{5628A0AE-61E8-4B73-8E57-39F9C89E25E8}" type="datetimeFigureOut">
               <a:rPr lang="zh-CN" altLang="en-US" smtClean="0"/>
               <a:t>2024/3/10</a:t>
             </a:fld>
@@ -2915,7 +2915,7 @@
           <p:cNvPr id="5" name="页脚占位符 4">
             <a:extLst>
               <a:ext uri="{FF2B5EF4-FFF2-40B4-BE49-F238E27FC236}">
-                <a16:creationId xmlns:a16="http://schemas.microsoft.com/office/drawing/2014/main" id="{52871435-43B1-C9CE-CDF3-6582B154D866}"/>
+                <a16:creationId xmlns:a16="http://schemas.microsoft.com/office/drawing/2014/main" id="{C0A97D58-C2D8-A12E-B998-C65A7514CAA7}"/>
               </a:ext>
             </a:extLst>
           </p:cNvPr>
@@ -2958,7 +2958,7 @@
           <p:cNvPr id="6" name="灯片编号占位符 5">
             <a:extLst>
               <a:ext uri="{FF2B5EF4-FFF2-40B4-BE49-F238E27FC236}">
-                <a16:creationId xmlns:a16="http://schemas.microsoft.com/office/drawing/2014/main" id="{69F25483-D7A7-19AE-826B-9EDB227FC9F8}"/>
+                <a16:creationId xmlns:a16="http://schemas.microsoft.com/office/drawing/2014/main" id="{A50EB317-2341-97B6-67D6-3C17290F39AF}"/>
               </a:ext>
             </a:extLst>
           </p:cNvPr>
@@ -2992,7 +2992,7 @@
             </a:lvl1pPr>
           </a:lstStyle>
           <a:p>
-            <a:fld id="{8B27E246-BAD5-45A0-9AC2-F1625DB610D2}" type="slidenum">
+            <a:fld id="{CC395179-ED37-49A8-957D-F566E9F2276E}" type="slidenum">
               <a:rPr lang="zh-CN" altLang="en-US" smtClean="0"/>
               <a:t>‹#›</a:t>
             </a:fld>
@@ -3003,7 +3003,7 @@
     </p:spTree>
     <p:extLst>
       <p:ext uri="{BB962C8B-B14F-4D97-AF65-F5344CB8AC3E}">
-        <p14:creationId xmlns:p14="http://schemas.microsoft.com/office/powerpoint/2010/main" val="1082976033"/>
+        <p14:creationId xmlns:p14="http://schemas.microsoft.com/office/powerpoint/2010/main" val="2568557468"/>
       </p:ext>
     </p:extLst>
   </p:cSld>
@@ -3323,7 +3323,7 @@
       </p:grpSpPr>
       <p:pic>
         <p:nvPicPr>
-          <p:cNvPr id="885762" name="Picture 2" descr="864"/>
+          <p:cNvPr id="886786" name="Picture 2" descr="865"/>
           <p:cNvPicPr>
             <a:picLocks noChangeAspect="1" noChangeArrowheads="1"/>
           </p:cNvPicPr>
@@ -3344,8 +3344,8 @@
         </p:blipFill>
         <p:spPr bwMode="auto">
           <a:xfrm>
-            <a:off x="1524001" y="0"/>
-            <a:ext cx="9053513" cy="6789738"/>
+            <a:off x="1524000" y="-1588"/>
+            <a:ext cx="9124950" cy="5014913"/>
           </a:xfrm>
           <a:prstGeom prst="rect">
             <a:avLst/>
